--- a/web/e21/uge_4a/Quiz-Uge4-Mandag.pptx
+++ b/web/e21/uge_4a/Quiz-Uge4-Mandag.pptx
@@ -11945,7 +11945,7 @@
         </p:nvSpPr>
         <p:spPr bwMode="auto">
           <a:xfrm>
-            <a:off x="5381693" y="3722921"/>
+            <a:off x="5381693" y="3765952"/>
             <a:ext cx="3024335" cy="318972"/>
           </a:xfrm>
           <a:prstGeom prst="rect">
@@ -12564,30 +12564,6 @@
           </a:p>
         </p:txBody>
       </p:sp>
-      <p:pic>
-        <p:nvPicPr>
-          <p:cNvPr id="3" name="Picture 2"/>
-          <p:cNvPicPr>
-            <a:picLocks noChangeAspect="1"/>
-          </p:cNvPicPr>
-          <p:nvPr/>
-        </p:nvPicPr>
-        <p:blipFill>
-          <a:blip r:embed="rId3"/>
-          <a:stretch>
-            <a:fillRect/>
-          </a:stretch>
-        </p:blipFill>
-        <p:spPr>
-          <a:xfrm>
-            <a:off x="5896170" y="3515358"/>
-            <a:ext cx="1838155" cy="273239"/>
-          </a:xfrm>
-          <a:prstGeom prst="rect">
-            <a:avLst/>
-          </a:prstGeom>
-        </p:spPr>
-      </p:pic>
       <p:sp>
         <p:nvSpPr>
           <p:cNvPr id="42" name="Rectangle 41"/>
@@ -12714,6 +12690,30 @@
           </a:p>
         </p:txBody>
       </p:sp>
+      <p:pic>
+        <p:nvPicPr>
+          <p:cNvPr id="4" name="Picture 3"/>
+          <p:cNvPicPr>
+            <a:picLocks noChangeAspect="1"/>
+          </p:cNvPicPr>
+          <p:nvPr/>
+        </p:nvPicPr>
+        <p:blipFill>
+          <a:blip r:embed="rId3"/>
+          <a:stretch>
+            <a:fillRect/>
+          </a:stretch>
+        </p:blipFill>
+        <p:spPr>
+          <a:xfrm>
+            <a:off x="5803398" y="3496644"/>
+            <a:ext cx="1978147" cy="300056"/>
+          </a:xfrm>
+          <a:prstGeom prst="rect">
+            <a:avLst/>
+          </a:prstGeom>
+        </p:spPr>
+      </p:pic>
     </p:spTree>
     <p:extLst>
       <p:ext uri="{BB962C8B-B14F-4D97-AF65-F5344CB8AC3E}">
@@ -12956,7 +12956,7 @@
                                           </p:stCondLst>
                                         </p:cTn>
                                         <p:tgtEl>
-                                          <p:spTgt spid="3"/>
+                                          <p:spTgt spid="4"/>
                                         </p:tgtEl>
                                         <p:attrNameLst>
                                           <p:attrName>style.visibility</p:attrName>
@@ -16547,29 +16547,7 @@
                 <a:ea typeface="ＭＳ Ｐゴシック" pitchFamily="34" charset="-128"/>
                 <a:cs typeface="+mn-cs"/>
               </a:rPr>
-              <a:t>OK (stjernen i import sætningen angiver, at man </a:t>
-            </a:r>
-            <a:r>
-              <a:rPr lang="da-DK" altLang="da-DK" sz="1400" kern="1200" dirty="0" smtClean="0">
-                <a:solidFill>
-                  <a:srgbClr val="A50021"/>
-                </a:solidFill>
-                <a:latin typeface="Arial" pitchFamily="34" charset="0"/>
-                <a:ea typeface="ＭＳ Ｐゴシック" pitchFamily="34" charset="-128"/>
-                <a:cs typeface="+mn-cs"/>
-              </a:rPr>
-              <a:t>importerer </a:t>
-            </a:r>
-            <a:r>
-              <a:rPr lang="da-DK" altLang="da-DK" sz="1400" kern="1200" dirty="0" smtClean="0">
-                <a:solidFill>
-                  <a:srgbClr val="A50021"/>
-                </a:solidFill>
-                <a:latin typeface="Arial" pitchFamily="34" charset="0"/>
-                <a:ea typeface="ＭＳ Ｐゴシック" pitchFamily="34" charset="-128"/>
-                <a:cs typeface="+mn-cs"/>
-              </a:rPr>
-              <a:t>alle klasser i pakken)</a:t>
+              <a:t>OK (stjernen i import sætningen angiver, at man importerer alle klasser i pakken)</a:t>
             </a:r>
             <a:endParaRPr lang="da-DK" altLang="da-DK" sz="1400" kern="1200" dirty="0">
               <a:solidFill>
@@ -16592,8 +16570,8 @@
         </p:nvSpPr>
         <p:spPr bwMode="auto">
           <a:xfrm>
-            <a:off x="4971917" y="5925162"/>
-            <a:ext cx="4054486" cy="448808"/>
+            <a:off x="4957740" y="6130724"/>
+            <a:ext cx="4017650" cy="623594"/>
           </a:xfrm>
           <a:prstGeom prst="rect">
             <a:avLst/>
@@ -16776,7 +16754,7 @@
             </a:lvl9pPr>
           </a:lstStyle>
           <a:p>
-            <a:pPr marL="0" indent="0" algn="r">
+            <a:pPr marL="0" indent="0">
               <a:lnSpc>
                 <a:spcPct val="90000"/>
               </a:lnSpc>
@@ -16792,9 +16770,9 @@
                 <a:ea typeface="ＭＳ Ｐゴシック" pitchFamily="34" charset="-128"/>
                 <a:cs typeface="+mn-cs"/>
               </a:rPr>
-              <a:t>Vi har stavet konstruktørens navn forkert</a:t>
-            </a:r>
-            <a:br>
+              <a:t>Vi har stavet konstruktørens navn </a:t>
+            </a:r>
+            <a:r>
               <a:rPr lang="da-DK" altLang="da-DK" sz="1400" kern="1200" dirty="0" smtClean="0">
                 <a:solidFill>
                   <a:srgbClr val="A50021"/>
@@ -16803,7 +16781,17 @@
                 <a:ea typeface="ＭＳ Ｐゴシック" pitchFamily="34" charset="-128"/>
                 <a:cs typeface="+mn-cs"/>
               </a:rPr>
-            </a:br>
+              <a:t>forkert</a:t>
+            </a:r>
+          </a:p>
+          <a:p>
+            <a:pPr marL="0" indent="0">
+              <a:lnSpc>
+                <a:spcPct val="90000"/>
+              </a:lnSpc>
+              <a:buFontTx/>
+              <a:buNone/>
+            </a:pPr>
             <a:r>
               <a:rPr lang="da-DK" altLang="da-DK" sz="1400" kern="1200" dirty="0" smtClean="0">
                 <a:solidFill>
@@ -16813,7 +16801,29 @@
                 <a:ea typeface="ＭＳ Ｐゴシック" pitchFamily="34" charset="-128"/>
                 <a:cs typeface="+mn-cs"/>
               </a:rPr>
-              <a:t>Oversætteren tror derfor, at det er en metode</a:t>
+              <a:t>Oversætteren </a:t>
+            </a:r>
+            <a:r>
+              <a:rPr lang="da-DK" altLang="da-DK" sz="1400" kern="1200" dirty="0" smtClean="0">
+                <a:solidFill>
+                  <a:srgbClr val="A50021"/>
+                </a:solidFill>
+                <a:latin typeface="Arial" pitchFamily="34" charset="0"/>
+                <a:ea typeface="ＭＳ Ｐゴシック" pitchFamily="34" charset="-128"/>
+                <a:cs typeface="+mn-cs"/>
+              </a:rPr>
+              <a:t>tror derfor, at det er en </a:t>
+            </a:r>
+            <a:r>
+              <a:rPr lang="da-DK" altLang="da-DK" sz="1400" kern="1200" dirty="0" smtClean="0">
+                <a:solidFill>
+                  <a:srgbClr val="A50021"/>
+                </a:solidFill>
+                <a:latin typeface="Arial" pitchFamily="34" charset="0"/>
+                <a:ea typeface="ＭＳ Ｐゴシック" pitchFamily="34" charset="-128"/>
+                <a:cs typeface="+mn-cs"/>
+              </a:rPr>
+              <a:t>metode, og klager over at der mangler en returtype</a:t>
             </a:r>
             <a:endParaRPr lang="da-DK" altLang="da-DK" sz="1400" kern="1200" dirty="0">
               <a:solidFill>
@@ -16836,7 +16846,7 @@
         </p:nvSpPr>
         <p:spPr bwMode="auto">
           <a:xfrm>
-            <a:off x="1189738" y="6089588"/>
+            <a:off x="1227495" y="6512023"/>
             <a:ext cx="3280997" cy="291740"/>
           </a:xfrm>
           <a:prstGeom prst="rect">
@@ -17224,30 +17234,6 @@
           </a:p>
         </p:txBody>
       </p:sp>
-      <p:pic>
-        <p:nvPicPr>
-          <p:cNvPr id="5" name="Picture 4"/>
-          <p:cNvPicPr>
-            <a:picLocks noChangeAspect="1"/>
-          </p:cNvPicPr>
-          <p:nvPr/>
-        </p:nvPicPr>
-        <p:blipFill>
-          <a:blip r:embed="rId3"/>
-          <a:stretch>
-            <a:fillRect/>
-          </a:stretch>
-        </p:blipFill>
-        <p:spPr>
-          <a:xfrm>
-            <a:off x="1010429" y="5874946"/>
-            <a:ext cx="3286364" cy="255508"/>
-          </a:xfrm>
-          <a:prstGeom prst="rect">
-            <a:avLst/>
-          </a:prstGeom>
-        </p:spPr>
-      </p:pic>
       <p:sp>
         <p:nvSpPr>
           <p:cNvPr id="44" name="Rectangle 43"/>
@@ -18400,30 +18386,6 @@
           </a:p>
         </p:txBody>
       </p:sp>
-      <p:pic>
-        <p:nvPicPr>
-          <p:cNvPr id="53" name="Picture 52"/>
-          <p:cNvPicPr>
-            <a:picLocks noChangeAspect="1"/>
-          </p:cNvPicPr>
-          <p:nvPr/>
-        </p:nvPicPr>
-        <p:blipFill>
-          <a:blip r:embed="rId4"/>
-          <a:stretch>
-            <a:fillRect/>
-          </a:stretch>
-        </p:blipFill>
-        <p:spPr>
-          <a:xfrm>
-            <a:off x="4963449" y="4642295"/>
-            <a:ext cx="4019550" cy="253333"/>
-          </a:xfrm>
-          <a:prstGeom prst="rect">
-            <a:avLst/>
-          </a:prstGeom>
-        </p:spPr>
-      </p:pic>
       <p:sp>
         <p:nvSpPr>
           <p:cNvPr id="54" name="Rectangle 53"/>
@@ -18550,6 +18512,54 @@
           </a:p>
         </p:txBody>
       </p:sp>
+      <p:pic>
+        <p:nvPicPr>
+          <p:cNvPr id="4" name="Picture 3"/>
+          <p:cNvPicPr>
+            <a:picLocks noChangeAspect="1"/>
+          </p:cNvPicPr>
+          <p:nvPr/>
+        </p:nvPicPr>
+        <p:blipFill>
+          <a:blip r:embed="rId3"/>
+          <a:stretch>
+            <a:fillRect/>
+          </a:stretch>
+        </p:blipFill>
+        <p:spPr>
+          <a:xfrm>
+            <a:off x="964726" y="5837614"/>
+            <a:ext cx="3703722" cy="674409"/>
+          </a:xfrm>
+          <a:prstGeom prst="rect">
+            <a:avLst/>
+          </a:prstGeom>
+        </p:spPr>
+      </p:pic>
+      <p:pic>
+        <p:nvPicPr>
+          <p:cNvPr id="6" name="Picture 5"/>
+          <p:cNvPicPr>
+            <a:picLocks noChangeAspect="1"/>
+          </p:cNvPicPr>
+          <p:nvPr/>
+        </p:nvPicPr>
+        <p:blipFill>
+          <a:blip r:embed="rId4"/>
+          <a:stretch>
+            <a:fillRect/>
+          </a:stretch>
+        </p:blipFill>
+        <p:spPr>
+          <a:xfrm>
+            <a:off x="4974476" y="4615839"/>
+            <a:ext cx="3830304" cy="293697"/>
+          </a:xfrm>
+          <a:prstGeom prst="rect">
+            <a:avLst/>
+          </a:prstGeom>
+        </p:spPr>
+      </p:pic>
     </p:spTree>
     <p:extLst>
       <p:ext uri="{BB962C8B-B14F-4D97-AF65-F5344CB8AC3E}">
@@ -18774,7 +18784,7 @@
                                           </p:stCondLst>
                                         </p:cTn>
                                         <p:tgtEl>
-                                          <p:spTgt spid="5"/>
+                                          <p:spTgt spid="4"/>
                                         </p:tgtEl>
                                         <p:attrNameLst>
                                           <p:attrName>style.visibility</p:attrName>
@@ -18990,7 +19000,7 @@
                                           </p:stCondLst>
                                         </p:cTn>
                                         <p:tgtEl>
-                                          <p:spTgt spid="53"/>
+                                          <p:spTgt spid="6"/>
                                         </p:tgtEl>
                                         <p:attrNameLst>
                                           <p:attrName>style.visibility</p:attrName>
@@ -19137,16 +19147,7 @@
                 </a:solidFill>
                 <a:ea typeface="ＭＳ Ｐゴシック" pitchFamily="34" charset="-128"/>
               </a:rPr>
-              <a:t>3. Realisering </a:t>
-            </a:r>
-            <a:r>
-              <a:rPr lang="da-DK" altLang="da-DK" sz="3200" dirty="0" smtClean="0">
-                <a:solidFill>
-                  <a:srgbClr val="000066"/>
-                </a:solidFill>
-                <a:ea typeface="ＭＳ Ｐゴシック" pitchFamily="34" charset="-128"/>
-              </a:rPr>
-              <a:t>af en-til-mange relation (3)</a:t>
+              <a:t>3. Realisering af en-til-mange relation (3)</a:t>
             </a:r>
           </a:p>
         </p:txBody>
@@ -24503,21 +24504,22 @@
       </p:grpSp>
       <p:pic>
         <p:nvPicPr>
-          <p:cNvPr id="3" name="Picture 2"/>
+          <p:cNvPr id="2" name="Picture 1"/>
           <p:cNvPicPr>
             <a:picLocks noChangeAspect="1"/>
           </p:cNvPicPr>
           <p:nvPr/>
         </p:nvPicPr>
-        <p:blipFill rotWithShape="1">
+        <p:blipFill>
           <a:blip r:embed="rId3"/>
-          <a:srcRect l="3688" t="3691"/>
-          <a:stretch/>
+          <a:stretch>
+            <a:fillRect/>
+          </a:stretch>
         </p:blipFill>
         <p:spPr>
           <a:xfrm>
-            <a:off x="7747632" y="2708920"/>
-            <a:ext cx="1091671" cy="238510"/>
+            <a:off x="7722573" y="2853836"/>
+            <a:ext cx="1057423" cy="247685"/>
           </a:xfrm>
           <a:prstGeom prst="rect">
             <a:avLst/>
@@ -24766,7 +24768,7 @@
                                           </p:stCondLst>
                                         </p:cTn>
                                         <p:tgtEl>
-                                          <p:spTgt spid="3"/>
+                                          <p:spTgt spid="2"/>
                                         </p:tgtEl>
                                         <p:attrNameLst>
                                           <p:attrName>style.visibility</p:attrName>
@@ -25010,32 +25012,8 @@
                 </a:solidFill>
                 <a:ea typeface="ＭＳ Ｐゴシック" pitchFamily="34" charset="-128"/>
               </a:rPr>
-              <a:t>4. Realisering </a:t>
-            </a:r>
-            <a:r>
-              <a:rPr lang="da-DK" altLang="da-DK" sz="3200" dirty="0" smtClean="0">
-                <a:solidFill>
-                  <a:srgbClr val="000066"/>
-                </a:solidFill>
-                <a:ea typeface="ＭＳ Ｐゴシック" pitchFamily="34" charset="-128"/>
-              </a:rPr>
-              <a:t>af en-til-mange </a:t>
-            </a:r>
-            <a:r>
-              <a:rPr lang="da-DK" altLang="da-DK" sz="3200" dirty="0" smtClean="0">
-                <a:solidFill>
-                  <a:srgbClr val="000066"/>
-                </a:solidFill>
-                <a:ea typeface="ＭＳ Ｐゴシック" pitchFamily="34" charset="-128"/>
-              </a:rPr>
-              <a:t>relation (4)</a:t>
-            </a:r>
-            <a:endParaRPr lang="da-DK" altLang="da-DK" sz="3200" dirty="0" smtClean="0">
-              <a:solidFill>
-                <a:srgbClr val="000066"/>
-              </a:solidFill>
-              <a:ea typeface="ＭＳ Ｐゴシック" pitchFamily="34" charset="-128"/>
-            </a:endParaRPr>
+              <a:t>4. Realisering af en-til-mange relation (4)</a:t>
+            </a:r>
           </a:p>
         </p:txBody>
       </p:sp>
@@ -25071,7 +25049,7 @@
                 <a:ea typeface="ＭＳ Ｐゴシック" pitchFamily="34" charset="-128"/>
                 <a:cs typeface="+mn-cs"/>
               </a:rPr>
-              <a:t>Hvor mange</a:t>
+              <a:t>Hvilke</a:t>
             </a:r>
             <a:r>
               <a:rPr lang="da-DK" altLang="da-DK" sz="1800" b="0" kern="1200" dirty="0" smtClean="0">
@@ -25082,7 +25060,18 @@
                 <a:ea typeface="ＭＳ Ｐゴシック" pitchFamily="34" charset="-128"/>
                 <a:cs typeface="+mn-cs"/>
               </a:rPr>
-              <a:t> af disse </a:t>
+              <a:t> </a:t>
+            </a:r>
+            <a:r>
+              <a:rPr lang="da-DK" altLang="da-DK" sz="1800" b="0" kern="1200" dirty="0" smtClean="0">
+                <a:solidFill>
+                  <a:srgbClr val="A50021"/>
+                </a:solidFill>
+                <a:latin typeface="Arial" pitchFamily="34" charset="0"/>
+                <a:ea typeface="ＭＳ Ｐゴシック" pitchFamily="34" charset="-128"/>
+                <a:cs typeface="+mn-cs"/>
+              </a:rPr>
+              <a:t>af disse </a:t>
             </a:r>
             <a:r>
               <a:rPr lang="da-DK" altLang="da-DK" sz="1800" b="0" kern="1200" dirty="0">
@@ -28650,7 +28639,7 @@
         </p:nvSpPr>
         <p:spPr bwMode="auto">
           <a:xfrm>
-            <a:off x="1996768" y="6094870"/>
+            <a:off x="2046310" y="6467471"/>
             <a:ext cx="2491023" cy="291740"/>
           </a:xfrm>
           <a:prstGeom prst="rect">
@@ -29676,8 +29665,8 @@
         </p:nvSpPr>
         <p:spPr bwMode="auto">
           <a:xfrm>
-            <a:off x="6876255" y="4086566"/>
-            <a:ext cx="2130493" cy="323976"/>
+            <a:off x="7092281" y="3947742"/>
+            <a:ext cx="1914468" cy="462800"/>
           </a:xfrm>
           <a:prstGeom prst="rect">
             <a:avLst/>
@@ -29873,7 +29862,29 @@
                 <a:ea typeface="ＭＳ Ｐゴシック" pitchFamily="34" charset="-128"/>
                 <a:cs typeface="+mn-cs"/>
               </a:rPr>
-              <a:t>Assignment skrives =</a:t>
+              <a:t>Assignment skrives </a:t>
+            </a:r>
+            <a:r>
+              <a:rPr lang="da-DK" altLang="da-DK" sz="1400" kern="1200" dirty="0" smtClean="0">
+                <a:solidFill>
+                  <a:srgbClr val="A50021"/>
+                </a:solidFill>
+                <a:latin typeface="Arial" pitchFamily="34" charset="0"/>
+                <a:ea typeface="ＭＳ Ｐゴシック" pitchFamily="34" charset="-128"/>
+                <a:cs typeface="+mn-cs"/>
+              </a:rPr>
+              <a:t>med ét =</a:t>
+            </a:r>
+            <a:r>
+              <a:rPr lang="da-DK" altLang="da-DK" sz="1400" kern="1200" dirty="0" smtClean="0">
+                <a:solidFill>
+                  <a:srgbClr val="A50021"/>
+                </a:solidFill>
+                <a:latin typeface="Arial" pitchFamily="34" charset="0"/>
+                <a:ea typeface="ＭＳ Ｐゴシック" pitchFamily="34" charset="-128"/>
+                <a:cs typeface="+mn-cs"/>
+              </a:rPr>
+              <a:t/>
             </a:r>
             <a:br>
               <a:rPr lang="da-DK" altLang="da-DK" sz="1400" kern="1200" dirty="0" smtClean="0">
@@ -30106,30 +30117,6 @@
           </a:p>
         </p:txBody>
       </p:sp>
-      <p:pic>
-        <p:nvPicPr>
-          <p:cNvPr id="3" name="Picture 2"/>
-          <p:cNvPicPr>
-            <a:picLocks noChangeAspect="1"/>
-          </p:cNvPicPr>
-          <p:nvPr/>
-        </p:nvPicPr>
-        <p:blipFill>
-          <a:blip r:embed="rId3"/>
-          <a:stretch>
-            <a:fillRect/>
-          </a:stretch>
-        </p:blipFill>
-        <p:spPr>
-          <a:xfrm>
-            <a:off x="922878" y="5881040"/>
-            <a:ext cx="3009900" cy="247650"/>
-          </a:xfrm>
-          <a:prstGeom prst="rect">
-            <a:avLst/>
-          </a:prstGeom>
-        </p:spPr>
-      </p:pic>
       <p:sp>
         <p:nvSpPr>
           <p:cNvPr id="43" name="Rectangle 42"/>
@@ -30193,30 +30180,6 @@
           </a:p>
         </p:txBody>
       </p:sp>
-      <p:pic>
-        <p:nvPicPr>
-          <p:cNvPr id="4" name="Picture 3"/>
-          <p:cNvPicPr>
-            <a:picLocks noChangeAspect="1"/>
-          </p:cNvPicPr>
-          <p:nvPr/>
-        </p:nvPicPr>
-        <p:blipFill>
-          <a:blip r:embed="rId4"/>
-          <a:stretch>
-            <a:fillRect/>
-          </a:stretch>
-        </p:blipFill>
-        <p:spPr>
-          <a:xfrm>
-            <a:off x="1466283" y="4490864"/>
-            <a:ext cx="2867025" cy="257175"/>
-          </a:xfrm>
-          <a:prstGeom prst="rect">
-            <a:avLst/>
-          </a:prstGeom>
-        </p:spPr>
-      </p:pic>
       <p:sp>
         <p:nvSpPr>
           <p:cNvPr id="57" name="Rectangle 56"/>
@@ -30280,30 +30243,6 @@
           </a:p>
         </p:txBody>
       </p:sp>
-      <p:pic>
-        <p:nvPicPr>
-          <p:cNvPr id="6" name="Picture 5"/>
-          <p:cNvPicPr>
-            <a:picLocks noChangeAspect="1"/>
-          </p:cNvPicPr>
-          <p:nvPr/>
-        </p:nvPicPr>
-        <p:blipFill>
-          <a:blip r:embed="rId5"/>
-          <a:stretch>
-            <a:fillRect/>
-          </a:stretch>
-        </p:blipFill>
-        <p:spPr>
-          <a:xfrm>
-            <a:off x="5557822" y="4047939"/>
-            <a:ext cx="1381125" cy="257175"/>
-          </a:xfrm>
-          <a:prstGeom prst="rect">
-            <a:avLst/>
-          </a:prstGeom>
-        </p:spPr>
-      </p:pic>
       <p:sp>
         <p:nvSpPr>
           <p:cNvPr id="58" name="Rectangle 57"/>
@@ -30802,6 +30741,77 @@
           </a:p>
         </p:txBody>
       </p:sp>
+      <p:pic>
+        <p:nvPicPr>
+          <p:cNvPr id="5" name="Picture 4"/>
+          <p:cNvPicPr>
+            <a:picLocks noChangeAspect="1"/>
+          </p:cNvPicPr>
+          <p:nvPr/>
+        </p:nvPicPr>
+        <p:blipFill>
+          <a:blip r:embed="rId3"/>
+          <a:stretch>
+            <a:fillRect/>
+          </a:stretch>
+        </p:blipFill>
+        <p:spPr>
+          <a:xfrm>
+            <a:off x="1048017" y="5895243"/>
+            <a:ext cx="3210373" cy="581106"/>
+          </a:xfrm>
+          <a:prstGeom prst="rect">
+            <a:avLst/>
+          </a:prstGeom>
+        </p:spPr>
+      </p:pic>
+      <p:pic>
+        <p:nvPicPr>
+          <p:cNvPr id="7" name="Picture 6"/>
+          <p:cNvPicPr>
+            <a:picLocks noChangeAspect="1"/>
+          </p:cNvPicPr>
+          <p:nvPr/>
+        </p:nvPicPr>
+        <p:blipFill rotWithShape="1">
+          <a:blip r:embed="rId4"/>
+          <a:srcRect t="14346"/>
+          <a:stretch/>
+        </p:blipFill>
+        <p:spPr>
+          <a:xfrm>
+            <a:off x="2324171" y="4609019"/>
+            <a:ext cx="2403639" cy="252529"/>
+          </a:xfrm>
+          <a:prstGeom prst="rect">
+            <a:avLst/>
+          </a:prstGeom>
+        </p:spPr>
+      </p:pic>
+      <p:pic>
+        <p:nvPicPr>
+          <p:cNvPr id="8" name="Picture 7"/>
+          <p:cNvPicPr>
+            <a:picLocks noChangeAspect="1"/>
+          </p:cNvPicPr>
+          <p:nvPr/>
+        </p:nvPicPr>
+        <p:blipFill>
+          <a:blip r:embed="rId5"/>
+          <a:stretch>
+            <a:fillRect/>
+          </a:stretch>
+        </p:blipFill>
+        <p:spPr>
+          <a:xfrm>
+            <a:off x="5292080" y="4036677"/>
+            <a:ext cx="1596653" cy="298655"/>
+          </a:xfrm>
+          <a:prstGeom prst="rect">
+            <a:avLst/>
+          </a:prstGeom>
+        </p:spPr>
+      </p:pic>
     </p:spTree>
     <p:extLst>
       <p:ext uri="{BB962C8B-B14F-4D97-AF65-F5344CB8AC3E}">
@@ -30905,7 +30915,7 @@
                             </p:stCondLst>
                             <p:childTnLst>
                               <p:par>
-                                <p:cTn id="11" presetID="1" presetClass="entr" presetSubtype="0" fill="hold" nodeType="clickEffect">
+                                <p:cTn id="11" presetID="1" presetClass="entr" presetSubtype="0" fill="hold" grpId="0" nodeType="clickEffect">
                                   <p:stCondLst>
                                     <p:cond delay="0"/>
                                   </p:stCondLst>
@@ -30918,7 +30928,7 @@
                                           </p:stCondLst>
                                         </p:cTn>
                                         <p:tgtEl>
-                                          <p:spTgt spid="4"/>
+                                          <p:spTgt spid="44"/>
                                         </p:tgtEl>
                                         <p:attrNameLst>
                                           <p:attrName>style.visibility</p:attrName>
@@ -30932,7 +30942,7 @@
                                 </p:cTn>
                               </p:par>
                               <p:par>
-                                <p:cTn id="13" presetID="1" presetClass="entr" presetSubtype="0" fill="hold" nodeType="withEffect">
+                                <p:cTn id="13" presetID="1" presetClass="entr" presetSubtype="0" fill="hold" grpId="0" nodeType="withEffect">
                                   <p:stCondLst>
                                     <p:cond delay="0"/>
                                   </p:stCondLst>
@@ -30945,7 +30955,7 @@
                                           </p:stCondLst>
                                         </p:cTn>
                                         <p:tgtEl>
-                                          <p:spTgt spid="3"/>
+                                          <p:spTgt spid="45"/>
                                         </p:tgtEl>
                                         <p:attrNameLst>
                                           <p:attrName>style.visibility</p:attrName>
@@ -30972,7 +30982,7 @@
                                           </p:stCondLst>
                                         </p:cTn>
                                         <p:tgtEl>
-                                          <p:spTgt spid="44"/>
+                                          <p:spTgt spid="46"/>
                                         </p:tgtEl>
                                         <p:attrNameLst>
                                           <p:attrName>style.visibility</p:attrName>
@@ -30999,7 +31009,7 @@
                                           </p:stCondLst>
                                         </p:cTn>
                                         <p:tgtEl>
-                                          <p:spTgt spid="45"/>
+                                          <p:spTgt spid="47"/>
                                         </p:tgtEl>
                                         <p:attrNameLst>
                                           <p:attrName>style.visibility</p:attrName>
@@ -31026,7 +31036,7 @@
                                           </p:stCondLst>
                                         </p:cTn>
                                         <p:tgtEl>
-                                          <p:spTgt spid="46"/>
+                                          <p:spTgt spid="57"/>
                                         </p:tgtEl>
                                         <p:attrNameLst>
                                           <p:attrName>style.visibility</p:attrName>
@@ -31053,7 +31063,7 @@
                                           </p:stCondLst>
                                         </p:cTn>
                                         <p:tgtEl>
-                                          <p:spTgt spid="47"/>
+                                          <p:spTgt spid="43"/>
                                         </p:tgtEl>
                                         <p:attrNameLst>
                                           <p:attrName>style.visibility</p:attrName>
@@ -31067,7 +31077,7 @@
                                 </p:cTn>
                               </p:par>
                               <p:par>
-                                <p:cTn id="23" presetID="1" presetClass="entr" presetSubtype="0" fill="hold" grpId="0" nodeType="withEffect">
+                                <p:cTn id="23" presetID="1" presetClass="entr" presetSubtype="0" fill="hold" nodeType="withEffect">
                                   <p:stCondLst>
                                     <p:cond delay="0"/>
                                   </p:stCondLst>
@@ -31080,7 +31090,7 @@
                                           </p:stCondLst>
                                         </p:cTn>
                                         <p:tgtEl>
-                                          <p:spTgt spid="57"/>
+                                          <p:spTgt spid="7"/>
                                         </p:tgtEl>
                                         <p:attrNameLst>
                                           <p:attrName>style.visibility</p:attrName>
@@ -31094,7 +31104,7 @@
                                 </p:cTn>
                               </p:par>
                               <p:par>
-                                <p:cTn id="25" presetID="1" presetClass="entr" presetSubtype="0" fill="hold" grpId="0" nodeType="withEffect">
+                                <p:cTn id="25" presetID="1" presetClass="entr" presetSubtype="0" fill="hold" nodeType="withEffect">
                                   <p:stCondLst>
                                     <p:cond delay="0"/>
                                   </p:stCondLst>
@@ -31107,7 +31117,7 @@
                                           </p:stCondLst>
                                         </p:cTn>
                                         <p:tgtEl>
-                                          <p:spTgt spid="43"/>
+                                          <p:spTgt spid="5"/>
                                         </p:tgtEl>
                                         <p:attrNameLst>
                                           <p:attrName>style.visibility</p:attrName>
@@ -31184,7 +31194,7 @@
                             </p:stCondLst>
                             <p:childTnLst>
                               <p:par>
-                                <p:cTn id="33" presetID="1" presetClass="entr" presetSubtype="0" fill="hold" nodeType="clickEffect">
+                                <p:cTn id="33" presetID="1" presetClass="entr" presetSubtype="0" fill="hold" grpId="0" nodeType="clickEffect">
                                   <p:stCondLst>
                                     <p:cond delay="0"/>
                                   </p:stCondLst>
@@ -31197,7 +31207,7 @@
                                           </p:stCondLst>
                                         </p:cTn>
                                         <p:tgtEl>
-                                          <p:spTgt spid="6"/>
+                                          <p:spTgt spid="58"/>
                                         </p:tgtEl>
                                         <p:attrNameLst>
                                           <p:attrName>style.visibility</p:attrName>
@@ -31224,7 +31234,7 @@
                                           </p:stCondLst>
                                         </p:cTn>
                                         <p:tgtEl>
-                                          <p:spTgt spid="58"/>
+                                          <p:spTgt spid="59"/>
                                         </p:tgtEl>
                                         <p:attrNameLst>
                                           <p:attrName>style.visibility</p:attrName>
@@ -31238,7 +31248,7 @@
                                 </p:cTn>
                               </p:par>
                               <p:par>
-                                <p:cTn id="37" presetID="1" presetClass="entr" presetSubtype="0" fill="hold" grpId="0" nodeType="withEffect">
+                                <p:cTn id="37" presetID="1" presetClass="entr" presetSubtype="0" fill="hold" nodeType="withEffect">
                                   <p:stCondLst>
                                     <p:cond delay="0"/>
                                   </p:stCondLst>
@@ -31251,7 +31261,7 @@
                                           </p:stCondLst>
                                         </p:cTn>
                                         <p:tgtEl>
-                                          <p:spTgt spid="59"/>
+                                          <p:spTgt spid="8"/>
                                         </p:tgtEl>
                                         <p:attrNameLst>
                                           <p:attrName>style.visibility</p:attrName>

--- a/web/e21/uge_4a/Quiz-Uge4-Mandag.pptx
+++ b/web/e21/uge_4a/Quiz-Uge4-Mandag.pptx
@@ -16770,18 +16770,7 @@
                 <a:ea typeface="ＭＳ Ｐゴシック" pitchFamily="34" charset="-128"/>
                 <a:cs typeface="+mn-cs"/>
               </a:rPr>
-              <a:t>Vi har stavet konstruktørens navn </a:t>
-            </a:r>
-            <a:r>
-              <a:rPr lang="da-DK" altLang="da-DK" sz="1400" kern="1200" dirty="0" smtClean="0">
-                <a:solidFill>
-                  <a:srgbClr val="A50021"/>
-                </a:solidFill>
-                <a:latin typeface="Arial" pitchFamily="34" charset="0"/>
-                <a:ea typeface="ＭＳ Ｐゴシック" pitchFamily="34" charset="-128"/>
-                <a:cs typeface="+mn-cs"/>
-              </a:rPr>
-              <a:t>forkert</a:t>
+              <a:t>Vi har stavet konstruktørens navn forkert</a:t>
             </a:r>
           </a:p>
           <a:p>
@@ -16801,7 +16790,18 @@
                 <a:ea typeface="ＭＳ Ｐゴシック" pitchFamily="34" charset="-128"/>
                 <a:cs typeface="+mn-cs"/>
               </a:rPr>
-              <a:t>Oversætteren </a:t>
+              <a:t>Oversætteren tror derfor, at det er en metode, og </a:t>
+            </a:r>
+            <a:r>
+              <a:rPr lang="da-DK" altLang="da-DK" sz="1400" kern="1200" smtClean="0">
+                <a:solidFill>
+                  <a:srgbClr val="A50021"/>
+                </a:solidFill>
+                <a:latin typeface="Arial" pitchFamily="34" charset="0"/>
+                <a:ea typeface="ＭＳ Ｐゴシック" pitchFamily="34" charset="-128"/>
+                <a:cs typeface="+mn-cs"/>
+              </a:rPr>
+              <a:t>klager over, </a:t>
             </a:r>
             <a:r>
               <a:rPr lang="da-DK" altLang="da-DK" sz="1400" kern="1200" dirty="0" smtClean="0">
@@ -16812,18 +16812,7 @@
                 <a:ea typeface="ＭＳ Ｐゴシック" pitchFamily="34" charset="-128"/>
                 <a:cs typeface="+mn-cs"/>
               </a:rPr>
-              <a:t>tror derfor, at det er en </a:t>
-            </a:r>
-            <a:r>
-              <a:rPr lang="da-DK" altLang="da-DK" sz="1400" kern="1200" dirty="0" smtClean="0">
-                <a:solidFill>
-                  <a:srgbClr val="A50021"/>
-                </a:solidFill>
-                <a:latin typeface="Arial" pitchFamily="34" charset="0"/>
-                <a:ea typeface="ＭＳ Ｐゴシック" pitchFamily="34" charset="-128"/>
-                <a:cs typeface="+mn-cs"/>
-              </a:rPr>
-              <a:t>metode, og klager over at der mangler en returtype</a:t>
+              <a:t>at der mangler en returtype</a:t>
             </a:r>
             <a:endParaRPr lang="da-DK" altLang="da-DK" sz="1400" kern="1200" dirty="0">
               <a:solidFill>
@@ -17215,6 +17204,14 @@
             <a:pPr algn="ctr">
               <a:defRPr/>
             </a:pPr>
+            <a:r>
+              <a:rPr lang="da-DK" altLang="da-DK" b="1" dirty="0" smtClean="0">
+                <a:solidFill>
+                  <a:srgbClr val="000066"/>
+                </a:solidFill>
+              </a:rPr>
+              <a:t>  </a:t>
+            </a:r>
             <a:fld id="{3A57ADD0-007F-4610-9D7D-5E5ADEAA50E0}" type="slidenum">
               <a:rPr lang="da-DK" altLang="da-DK" b="1" smtClean="0">
                 <a:solidFill>
@@ -25060,18 +25057,7 @@
                 <a:ea typeface="ＭＳ Ｐゴシック" pitchFamily="34" charset="-128"/>
                 <a:cs typeface="+mn-cs"/>
               </a:rPr>
-              <a:t> </a:t>
-            </a:r>
-            <a:r>
-              <a:rPr lang="da-DK" altLang="da-DK" sz="1800" b="0" kern="1200" dirty="0" smtClean="0">
-                <a:solidFill>
-                  <a:srgbClr val="A50021"/>
-                </a:solidFill>
-                <a:latin typeface="Arial" pitchFamily="34" charset="0"/>
-                <a:ea typeface="ＭＳ Ｐゴシック" pitchFamily="34" charset="-128"/>
-                <a:cs typeface="+mn-cs"/>
-              </a:rPr>
-              <a:t>af disse </a:t>
+              <a:t> af disse </a:t>
             </a:r>
             <a:r>
               <a:rPr lang="da-DK" altLang="da-DK" sz="1800" b="0" kern="1200" dirty="0">
@@ -29862,29 +29848,7 @@
                 <a:ea typeface="ＭＳ Ｐゴシック" pitchFamily="34" charset="-128"/>
                 <a:cs typeface="+mn-cs"/>
               </a:rPr>
-              <a:t>Assignment skrives </a:t>
-            </a:r>
-            <a:r>
-              <a:rPr lang="da-DK" altLang="da-DK" sz="1400" kern="1200" dirty="0" smtClean="0">
-                <a:solidFill>
-                  <a:srgbClr val="A50021"/>
-                </a:solidFill>
-                <a:latin typeface="Arial" pitchFamily="34" charset="0"/>
-                <a:ea typeface="ＭＳ Ｐゴシック" pitchFamily="34" charset="-128"/>
-                <a:cs typeface="+mn-cs"/>
-              </a:rPr>
-              <a:t>med ét =</a:t>
-            </a:r>
-            <a:r>
-              <a:rPr lang="da-DK" altLang="da-DK" sz="1400" kern="1200" dirty="0" smtClean="0">
-                <a:solidFill>
-                  <a:srgbClr val="A50021"/>
-                </a:solidFill>
-                <a:latin typeface="Arial" pitchFamily="34" charset="0"/>
-                <a:ea typeface="ＭＳ Ｐゴシック" pitchFamily="34" charset="-128"/>
-                <a:cs typeface="+mn-cs"/>
-              </a:rPr>
-              <a:t/>
+              <a:t>Assignment skrives med ét =</a:t>
             </a:r>
             <a:br>
               <a:rPr lang="da-DK" altLang="da-DK" sz="1400" kern="1200" dirty="0" smtClean="0">
@@ -30804,7 +30768,7 @@
         </p:blipFill>
         <p:spPr>
           <a:xfrm>
-            <a:off x="5292080" y="4036677"/>
+            <a:off x="5341216" y="4027206"/>
             <a:ext cx="1596653" cy="298655"/>
           </a:xfrm>
           <a:prstGeom prst="rect">
